--- a/lectures/course_DLMOA_session-3.pptx
+++ b/lectures/course_DLMOA_session-3.pptx
@@ -4837,14 +4837,14 @@
       </p:sp>
       <p:sp>
         <p:nvSpPr>
-          <p:cNvPr id="227" name="Question 1. Fill in the architecture of the convolutional block of the encoder module to train a convolutional auto-encoder…"/>
+          <p:cNvPr id="227" name="Question 1. Fill in the architecture of the dense encoder module to train a dense auto-encoder…"/>
           <p:cNvSpPr txBox="1"/>
           <p:nvPr/>
         </p:nvSpPr>
         <p:spPr>
           <a:xfrm>
-            <a:off x="1161751" y="6969765"/>
-            <a:ext cx="11052917" cy="1934260"/>
+            <a:off x="975942" y="6550665"/>
+            <a:ext cx="11052916" cy="2670860"/>
           </a:xfrm>
           <a:prstGeom prst="rect">
             <a:avLst/>
@@ -4866,7 +4866,7 @@
           <a:p>
             <a:pPr algn="just"/>
             <a:r>
-              <a:t>Question 1. Fill in the architecture of the convolutional block of the encoder module to train a convolutional auto-encoder</a:t>
+              <a:t>Question 1. Fill in the architecture of the dense encoder module to train a dense auto-encoder</a:t>
             </a:r>
           </a:p>
           <a:p>
@@ -4875,7 +4875,16 @@
           <a:p>
             <a:pPr algn="just"/>
             <a:r>
-              <a:t>Question 2. Modify the code to test a linear auto-encoder (cf. AE and PCA)</a:t>
+              <a:t>Question 2. Add dropout layers in the convolutional encoder and decoder </a:t>
+            </a:r>
+          </a:p>
+          <a:p>
+            <a:pPr algn="just"/>
+          </a:p>
+          <a:p>
+            <a:pPr algn="just"/>
+            <a:r>
+              <a:t>Question 3. Modify the code to test a linear auto-encoder (cf. AE and PCA)</a:t>
             </a:r>
           </a:p>
         </p:txBody>

--- a/lectures/course_DLMOA_session-3.pptx
+++ b/lectures/course_DLMOA_session-3.pptx
@@ -4764,8 +4764,8 @@
         </p:nvSpPr>
         <p:spPr>
           <a:xfrm>
-            <a:off x="496045" y="3018238"/>
-            <a:ext cx="12384329" cy="3039160"/>
+            <a:off x="1495636" y="2945213"/>
+            <a:ext cx="10689947" cy="3039160"/>
           </a:xfrm>
           <a:prstGeom prst="rect">
             <a:avLst/>
@@ -4804,7 +4804,7 @@
                 </a:uFill>
                 <a:hlinkClick r:id="rId3" invalidUrl="" action="" tgtFrame="" tooltip="" history="1" highlightClick="0" endSnd="0"/>
               </a:rPr>
-              <a:t>https://github.com/CIA-Oceanix/DLOA2023/blob/main/lectures/notebooks/corrections/notebook_MNIST_AutoEncoder_with_correction.ipynb</a:t>
+              <a:t>https://github.com/CIA-Oceanix/DLOA2023/blob/main/lectures/notebooks/notebook_MNIST_AutoEncoder_students.ipynb</a:t>
             </a:r>
           </a:p>
           <a:p>
@@ -4967,7 +4967,7 @@
       </p:grpSpPr>
       <p:pic>
         <p:nvPicPr>
-          <p:cNvPr id="235" name="Screenshot 2022-10-02 at 20.57.26.png" descr="Screenshot 2022-10-02 at 20.57.26.png"/>
+          <p:cNvPr id="235" name="Screenshot 2022-10-02 at 20.57.04.png" descr="Screenshot 2022-10-02 at 20.57.04.png"/>
           <p:cNvPicPr>
             <a:picLocks noChangeAspect="1"/>
           </p:cNvPicPr>
@@ -4983,8 +4983,8 @@
         </p:blipFill>
         <p:spPr>
           <a:xfrm>
-            <a:off x="6799045" y="1399792"/>
-            <a:ext cx="5879618" cy="1635732"/>
+            <a:off x="401873" y="987164"/>
+            <a:ext cx="5769227" cy="1933241"/>
           </a:xfrm>
           <a:prstGeom prst="rect">
             <a:avLst/>
@@ -4994,9 +4994,41 @@
           </a:ln>
         </p:spPr>
       </p:pic>
+      <p:sp>
+        <p:nvSpPr>
+          <p:cNvPr id="236" name="ConvAE &amp; Ocean Dynamics"/>
+          <p:cNvSpPr txBox="1"/>
+          <p:nvPr>
+            <p:ph type="title"/>
+          </p:nvPr>
+        </p:nvSpPr>
+        <p:spPr>
+          <a:xfrm>
+            <a:off x="481409" y="118320"/>
+            <a:ext cx="12314095" cy="986213"/>
+          </a:xfrm>
+          <a:prstGeom prst="rect">
+            <a:avLst/>
+          </a:prstGeom>
+        </p:spPr>
+        <p:txBody>
+          <a:bodyPr/>
+          <a:lstStyle>
+            <a:lvl1pPr defTabSz="467359">
+              <a:defRPr sz="5760"/>
+            </a:lvl1pPr>
+          </a:lstStyle>
+          <a:p>
+            <a:pPr/>
+            <a:r>
+              <a:t>ConvAE &amp; Ocean Dynamics</a:t>
+            </a:r>
+          </a:p>
+        </p:txBody>
+      </p:sp>
       <p:pic>
         <p:nvPicPr>
-          <p:cNvPr id="236" name="Screenshot 2022-10-02 at 20.57.04.png" descr="Screenshot 2022-10-02 at 20.57.04.png"/>
+          <p:cNvPr id="237" name="Screenshot 2022-10-02 at 20.59.21.png" descr="Screenshot 2022-10-02 at 20.59.21.png"/>
           <p:cNvPicPr>
             <a:picLocks noChangeAspect="1"/>
           </p:cNvPicPr>
@@ -5012,8 +5044,8 @@
         </p:blipFill>
         <p:spPr>
           <a:xfrm>
-            <a:off x="401873" y="987164"/>
-            <a:ext cx="5769227" cy="1933241"/>
+            <a:off x="445529" y="7043915"/>
+            <a:ext cx="5563443" cy="1688082"/>
           </a:xfrm>
           <a:prstGeom prst="rect">
             <a:avLst/>
@@ -5023,41 +5055,9 @@
           </a:ln>
         </p:spPr>
       </p:pic>
-      <p:sp>
-        <p:nvSpPr>
-          <p:cNvPr id="237" name="ConvAE &amp; Ocean Dynamics"/>
-          <p:cNvSpPr txBox="1"/>
-          <p:nvPr>
-            <p:ph type="title"/>
-          </p:nvPr>
-        </p:nvSpPr>
-        <p:spPr>
-          <a:xfrm>
-            <a:off x="481409" y="118320"/>
-            <a:ext cx="12314095" cy="986213"/>
-          </a:xfrm>
-          <a:prstGeom prst="rect">
-            <a:avLst/>
-          </a:prstGeom>
-        </p:spPr>
-        <p:txBody>
-          <a:bodyPr/>
-          <a:lstStyle>
-            <a:lvl1pPr defTabSz="467359">
-              <a:defRPr sz="5760"/>
-            </a:lvl1pPr>
-          </a:lstStyle>
-          <a:p>
-            <a:pPr/>
-            <a:r>
-              <a:t>ConvAE &amp; Ocean Dynamics</a:t>
-            </a:r>
-          </a:p>
-        </p:txBody>
-      </p:sp>
       <p:pic>
         <p:nvPicPr>
-          <p:cNvPr id="238" name="Screenshot 2022-10-02 at 20.59.21.png" descr="Screenshot 2022-10-02 at 20.59.21.png"/>
+          <p:cNvPr id="238" name="Screenshot 2022-10-02 at 20.59.00.png" descr="Screenshot 2022-10-02 at 20.59.00.png"/>
           <p:cNvPicPr>
             <a:picLocks noChangeAspect="1"/>
           </p:cNvPicPr>
@@ -5073,8 +5073,8 @@
         </p:blipFill>
         <p:spPr>
           <a:xfrm>
-            <a:off x="445529" y="7043915"/>
-            <a:ext cx="5563443" cy="1688082"/>
+            <a:off x="440104" y="5584925"/>
+            <a:ext cx="5879618" cy="1688082"/>
           </a:xfrm>
           <a:prstGeom prst="rect">
             <a:avLst/>
@@ -5084,9 +5084,169 @@
           </a:ln>
         </p:spPr>
       </p:pic>
+      <p:sp>
+        <p:nvSpPr>
+          <p:cNvPr id="239" name="https://agupubs.onlinelibrary.wiley.com/doi/epdf/10.1029/2019MS001965"/>
+          <p:cNvSpPr txBox="1"/>
+          <p:nvPr/>
+        </p:nvSpPr>
+        <p:spPr>
+          <a:xfrm>
+            <a:off x="715592" y="8743904"/>
+            <a:ext cx="5023317" cy="729233"/>
+          </a:xfrm>
+          <a:prstGeom prst="rect">
+            <a:avLst/>
+          </a:prstGeom>
+          <a:ln w="12700">
+            <a:miter lim="400000"/>
+          </a:ln>
+          <a:extLst>
+            <a:ext uri="{C572A759-6A51-4108-AA02-DFA0A04FC94B}">
+              <ma14:wrappingTextBoxFlag xmlns:ma14="http://schemas.microsoft.com/office/mac/drawingml/2011/main" val="1"/>
+            </a:ext>
+          </a:extLst>
+        </p:spPr>
+        <p:txBody>
+          <a:bodyPr lIns="50800" tIns="50800" rIns="50800" bIns="50800" anchor="ctr">
+            <a:spAutoFit/>
+          </a:bodyPr>
+          <a:lstStyle>
+            <a:lvl1pPr>
+              <a:defRPr sz="2000"/>
+            </a:lvl1pPr>
+          </a:lstStyle>
+          <a:p>
+            <a:pPr/>
+            <a:r>
+              <a:t>https://agupubs.onlinelibrary.wiley.com/doi/epdf/10.1029/2019MS001965</a:t>
+            </a:r>
+          </a:p>
+        </p:txBody>
+      </p:sp>
+      <p:sp>
+        <p:nvSpPr>
+          <p:cNvPr id="240" name="Rounded Rectangle"/>
+          <p:cNvSpPr/>
+          <p:nvPr/>
+        </p:nvSpPr>
+        <p:spPr>
+          <a:xfrm>
+            <a:off x="232344" y="1128974"/>
+            <a:ext cx="6143997" cy="4219182"/>
+          </a:xfrm>
+          <a:prstGeom prst="roundRect">
+            <a:avLst>
+              <a:gd name="adj" fmla="val 15133"/>
+            </a:avLst>
+          </a:prstGeom>
+          <a:ln w="25400">
+            <a:solidFill>
+              <a:schemeClr val="accent1"/>
+            </a:solidFill>
+          </a:ln>
+        </p:spPr>
+        <p:txBody>
+          <a:bodyPr lIns="50800" tIns="50800" rIns="50800" bIns="50800" anchor="ctr"/>
+          <a:lstStyle/>
+          <a:p>
+            <a:pPr/>
+          </a:p>
+        </p:txBody>
+      </p:sp>
+      <p:sp>
+        <p:nvSpPr>
+          <p:cNvPr id="241" name="Rounded Rectangle"/>
+          <p:cNvSpPr/>
+          <p:nvPr/>
+        </p:nvSpPr>
+        <p:spPr>
+          <a:xfrm>
+            <a:off x="214488" y="5515513"/>
+            <a:ext cx="6143997" cy="4219182"/>
+          </a:xfrm>
+          <a:prstGeom prst="roundRect">
+            <a:avLst>
+              <a:gd name="adj" fmla="val 15133"/>
+            </a:avLst>
+          </a:prstGeom>
+          <a:ln w="25400">
+            <a:solidFill>
+              <a:schemeClr val="accent1"/>
+            </a:solidFill>
+          </a:ln>
+        </p:spPr>
+        <p:txBody>
+          <a:bodyPr lIns="50800" tIns="50800" rIns="50800" bIns="50800" anchor="ctr"/>
+          <a:lstStyle/>
+          <a:p>
+            <a:pPr/>
+          </a:p>
+        </p:txBody>
+      </p:sp>
+      <p:sp>
+        <p:nvSpPr>
+          <p:cNvPr id="242" name="Rounded Rectangle"/>
+          <p:cNvSpPr/>
+          <p:nvPr/>
+        </p:nvSpPr>
+        <p:spPr>
+          <a:xfrm>
+            <a:off x="6611659" y="5515513"/>
+            <a:ext cx="6143997" cy="4219182"/>
+          </a:xfrm>
+          <a:prstGeom prst="roundRect">
+            <a:avLst>
+              <a:gd name="adj" fmla="val 15133"/>
+            </a:avLst>
+          </a:prstGeom>
+          <a:ln w="25400">
+            <a:solidFill>
+              <a:schemeClr val="accent1"/>
+            </a:solidFill>
+          </a:ln>
+        </p:spPr>
+        <p:txBody>
+          <a:bodyPr lIns="50800" tIns="50800" rIns="50800" bIns="50800" anchor="ctr"/>
+          <a:lstStyle/>
+          <a:p>
+            <a:pPr/>
+          </a:p>
+        </p:txBody>
+      </p:sp>
+      <p:sp>
+        <p:nvSpPr>
+          <p:cNvPr id="243" name="Rounded Rectangle"/>
+          <p:cNvSpPr/>
+          <p:nvPr/>
+        </p:nvSpPr>
+        <p:spPr>
+          <a:xfrm>
+            <a:off x="6611659" y="1128974"/>
+            <a:ext cx="6143997" cy="4219182"/>
+          </a:xfrm>
+          <a:prstGeom prst="roundRect">
+            <a:avLst>
+              <a:gd name="adj" fmla="val 15133"/>
+            </a:avLst>
+          </a:prstGeom>
+          <a:ln w="25400">
+            <a:solidFill>
+              <a:schemeClr val="accent1"/>
+            </a:solidFill>
+          </a:ln>
+        </p:spPr>
+        <p:txBody>
+          <a:bodyPr lIns="50800" tIns="50800" rIns="50800" bIns="50800" anchor="ctr"/>
+          <a:lstStyle/>
+          <a:p>
+            <a:pPr/>
+          </a:p>
+        </p:txBody>
+      </p:sp>
       <p:pic>
         <p:nvPicPr>
-          <p:cNvPr id="239" name="Screenshot 2022-10-02 at 20.59.00.png" descr="Screenshot 2022-10-02 at 20.59.00.png"/>
+          <p:cNvPr id="244" name="Screenshot 2022-10-02 at 20.58.10.png" descr="Screenshot 2022-10-02 at 20.58.10.png"/>
           <p:cNvPicPr>
             <a:picLocks noChangeAspect="1"/>
           </p:cNvPicPr>
@@ -5102,8 +5262,8 @@
         </p:blipFill>
         <p:spPr>
           <a:xfrm>
-            <a:off x="440104" y="5584925"/>
-            <a:ext cx="5879618" cy="1688082"/>
+            <a:off x="6775332" y="6196353"/>
+            <a:ext cx="5816652" cy="2187459"/>
           </a:xfrm>
           <a:prstGeom prst="rect">
             <a:avLst/>
@@ -5113,169 +5273,9 @@
           </a:ln>
         </p:spPr>
       </p:pic>
-      <p:sp>
-        <p:nvSpPr>
-          <p:cNvPr id="240" name="https://agupubs.onlinelibrary.wiley.com/doi/epdf/10.1029/2019MS001965"/>
-          <p:cNvSpPr txBox="1"/>
-          <p:nvPr/>
-        </p:nvSpPr>
-        <p:spPr>
-          <a:xfrm>
-            <a:off x="715592" y="8743904"/>
-            <a:ext cx="5023317" cy="729233"/>
-          </a:xfrm>
-          <a:prstGeom prst="rect">
-            <a:avLst/>
-          </a:prstGeom>
-          <a:ln w="12700">
-            <a:miter lim="400000"/>
-          </a:ln>
-          <a:extLst>
-            <a:ext uri="{C572A759-6A51-4108-AA02-DFA0A04FC94B}">
-              <ma14:wrappingTextBoxFlag xmlns:ma14="http://schemas.microsoft.com/office/mac/drawingml/2011/main" val="1"/>
-            </a:ext>
-          </a:extLst>
-        </p:spPr>
-        <p:txBody>
-          <a:bodyPr lIns="50800" tIns="50800" rIns="50800" bIns="50800" anchor="ctr">
-            <a:spAutoFit/>
-          </a:bodyPr>
-          <a:lstStyle>
-            <a:lvl1pPr>
-              <a:defRPr sz="2000"/>
-            </a:lvl1pPr>
-          </a:lstStyle>
-          <a:p>
-            <a:pPr/>
-            <a:r>
-              <a:t>https://agupubs.onlinelibrary.wiley.com/doi/epdf/10.1029/2019MS001965</a:t>
-            </a:r>
-          </a:p>
-        </p:txBody>
-      </p:sp>
-      <p:sp>
-        <p:nvSpPr>
-          <p:cNvPr id="241" name="Rounded Rectangle"/>
-          <p:cNvSpPr/>
-          <p:nvPr/>
-        </p:nvSpPr>
-        <p:spPr>
-          <a:xfrm>
-            <a:off x="232344" y="1128974"/>
-            <a:ext cx="6143997" cy="4219182"/>
-          </a:xfrm>
-          <a:prstGeom prst="roundRect">
-            <a:avLst>
-              <a:gd name="adj" fmla="val 15133"/>
-            </a:avLst>
-          </a:prstGeom>
-          <a:ln w="25400">
-            <a:solidFill>
-              <a:schemeClr val="accent1"/>
-            </a:solidFill>
-          </a:ln>
-        </p:spPr>
-        <p:txBody>
-          <a:bodyPr lIns="50800" tIns="50800" rIns="50800" bIns="50800" anchor="ctr"/>
-          <a:lstStyle/>
-          <a:p>
-            <a:pPr/>
-          </a:p>
-        </p:txBody>
-      </p:sp>
-      <p:sp>
-        <p:nvSpPr>
-          <p:cNvPr id="242" name="Rounded Rectangle"/>
-          <p:cNvSpPr/>
-          <p:nvPr/>
-        </p:nvSpPr>
-        <p:spPr>
-          <a:xfrm>
-            <a:off x="214488" y="5515513"/>
-            <a:ext cx="6143997" cy="4219182"/>
-          </a:xfrm>
-          <a:prstGeom prst="roundRect">
-            <a:avLst>
-              <a:gd name="adj" fmla="val 15133"/>
-            </a:avLst>
-          </a:prstGeom>
-          <a:ln w="25400">
-            <a:solidFill>
-              <a:schemeClr val="accent1"/>
-            </a:solidFill>
-          </a:ln>
-        </p:spPr>
-        <p:txBody>
-          <a:bodyPr lIns="50800" tIns="50800" rIns="50800" bIns="50800" anchor="ctr"/>
-          <a:lstStyle/>
-          <a:p>
-            <a:pPr/>
-          </a:p>
-        </p:txBody>
-      </p:sp>
-      <p:sp>
-        <p:nvSpPr>
-          <p:cNvPr id="243" name="Rounded Rectangle"/>
-          <p:cNvSpPr/>
-          <p:nvPr/>
-        </p:nvSpPr>
-        <p:spPr>
-          <a:xfrm>
-            <a:off x="6611659" y="5515513"/>
-            <a:ext cx="6143997" cy="4219182"/>
-          </a:xfrm>
-          <a:prstGeom prst="roundRect">
-            <a:avLst>
-              <a:gd name="adj" fmla="val 15133"/>
-            </a:avLst>
-          </a:prstGeom>
-          <a:ln w="25400">
-            <a:solidFill>
-              <a:schemeClr val="accent1"/>
-            </a:solidFill>
-          </a:ln>
-        </p:spPr>
-        <p:txBody>
-          <a:bodyPr lIns="50800" tIns="50800" rIns="50800" bIns="50800" anchor="ctr"/>
-          <a:lstStyle/>
-          <a:p>
-            <a:pPr/>
-          </a:p>
-        </p:txBody>
-      </p:sp>
-      <p:sp>
-        <p:nvSpPr>
-          <p:cNvPr id="244" name="Rounded Rectangle"/>
-          <p:cNvSpPr/>
-          <p:nvPr/>
-        </p:nvSpPr>
-        <p:spPr>
-          <a:xfrm>
-            <a:off x="6611659" y="1128974"/>
-            <a:ext cx="6143997" cy="4219182"/>
-          </a:xfrm>
-          <a:prstGeom prst="roundRect">
-            <a:avLst>
-              <a:gd name="adj" fmla="val 15133"/>
-            </a:avLst>
-          </a:prstGeom>
-          <a:ln w="25400">
-            <a:solidFill>
-              <a:schemeClr val="accent1"/>
-            </a:solidFill>
-          </a:ln>
-        </p:spPr>
-        <p:txBody>
-          <a:bodyPr lIns="50800" tIns="50800" rIns="50800" bIns="50800" anchor="ctr"/>
-          <a:lstStyle/>
-          <a:p>
-            <a:pPr/>
-          </a:p>
-        </p:txBody>
-      </p:sp>
       <p:pic>
         <p:nvPicPr>
-          <p:cNvPr id="245" name="Screenshot 2022-10-02 at 20.58.10.png" descr="Screenshot 2022-10-02 at 20.58.10.png"/>
+          <p:cNvPr id="245" name="Screenshot 2022-10-02 at 20.56.33.png" descr="Screenshot 2022-10-02 at 20.56.33.png"/>
           <p:cNvPicPr>
             <a:picLocks noChangeAspect="1"/>
           </p:cNvPicPr>
@@ -5291,8 +5291,8 @@
         </p:blipFill>
         <p:spPr>
           <a:xfrm>
-            <a:off x="6775332" y="6196353"/>
-            <a:ext cx="5816652" cy="2187459"/>
+            <a:off x="357554" y="2980494"/>
+            <a:ext cx="3522404" cy="2187460"/>
           </a:xfrm>
           <a:prstGeom prst="rect">
             <a:avLst/>
@@ -5302,9 +5302,129 @@
           </a:ln>
         </p:spPr>
       </p:pic>
+      <p:sp>
+        <p:nvSpPr>
+          <p:cNvPr id="246" name="https://agupubs.onlinelibrary.wiley.com/doi/epdf/10.1029/2018MS001472"/>
+          <p:cNvSpPr txBox="1"/>
+          <p:nvPr/>
+        </p:nvSpPr>
+        <p:spPr>
+          <a:xfrm>
+            <a:off x="3820760" y="3594202"/>
+            <a:ext cx="2620027" cy="960044"/>
+          </a:xfrm>
+          <a:prstGeom prst="rect">
+            <a:avLst/>
+          </a:prstGeom>
+          <a:ln w="12700">
+            <a:miter lim="400000"/>
+          </a:ln>
+          <a:extLst>
+            <a:ext uri="{C572A759-6A51-4108-AA02-DFA0A04FC94B}">
+              <ma14:wrappingTextBoxFlag xmlns:ma14="http://schemas.microsoft.com/office/mac/drawingml/2011/main" val="1"/>
+            </a:ext>
+          </a:extLst>
+        </p:spPr>
+        <p:txBody>
+          <a:bodyPr lIns="50800" tIns="50800" rIns="50800" bIns="50800" anchor="ctr">
+            <a:spAutoFit/>
+          </a:bodyPr>
+          <a:lstStyle>
+            <a:lvl1pPr>
+              <a:defRPr sz="1400"/>
+            </a:lvl1pPr>
+          </a:lstStyle>
+          <a:p>
+            <a:pPr/>
+            <a:r>
+              <a:t>https://agupubs.onlinelibrary.wiley.com/doi/epdf/10.1029/2018MS001472</a:t>
+            </a:r>
+          </a:p>
+        </p:txBody>
+      </p:sp>
+      <p:sp>
+        <p:nvSpPr>
+          <p:cNvPr id="247" name="https://gmd.copernicus.org/articles/15/2183/2022/"/>
+          <p:cNvSpPr txBox="1"/>
+          <p:nvPr/>
+        </p:nvSpPr>
+        <p:spPr>
+          <a:xfrm>
+            <a:off x="7551226" y="9219309"/>
+            <a:ext cx="4264865" cy="312344"/>
+          </a:xfrm>
+          <a:prstGeom prst="rect">
+            <a:avLst/>
+          </a:prstGeom>
+          <a:ln w="12700">
+            <a:miter lim="400000"/>
+          </a:ln>
+          <a:extLst>
+            <a:ext uri="{C572A759-6A51-4108-AA02-DFA0A04FC94B}">
+              <ma14:wrappingTextBoxFlag xmlns:ma14="http://schemas.microsoft.com/office/mac/drawingml/2011/main" val="1"/>
+            </a:ext>
+          </a:extLst>
+        </p:spPr>
+        <p:txBody>
+          <a:bodyPr wrap="none" lIns="50800" tIns="50800" rIns="50800" bIns="50800" anchor="ctr">
+            <a:spAutoFit/>
+          </a:bodyPr>
+          <a:lstStyle>
+            <a:lvl1pPr>
+              <a:defRPr sz="1400"/>
+            </a:lvl1pPr>
+          </a:lstStyle>
+          <a:p>
+            <a:pPr/>
+            <a:r>
+              <a:t>https://gmd.copernicus.org/articles/15/2183/2022/</a:t>
+            </a:r>
+          </a:p>
+        </p:txBody>
+      </p:sp>
+      <p:sp>
+        <p:nvSpPr>
+          <p:cNvPr id="248" name="https://www.mdpi.com/2072-4292/14/5/1159"/>
+          <p:cNvSpPr txBox="1"/>
+          <p:nvPr/>
+        </p:nvSpPr>
+        <p:spPr>
+          <a:xfrm>
+            <a:off x="6901937" y="4993418"/>
+            <a:ext cx="5563442" cy="337007"/>
+          </a:xfrm>
+          <a:prstGeom prst="rect">
+            <a:avLst/>
+          </a:prstGeom>
+          <a:ln w="12700">
+            <a:miter lim="400000"/>
+          </a:ln>
+          <a:extLst>
+            <a:ext uri="{C572A759-6A51-4108-AA02-DFA0A04FC94B}">
+              <ma14:wrappingTextBoxFlag xmlns:ma14="http://schemas.microsoft.com/office/mac/drawingml/2011/main" val="1"/>
+            </a:ext>
+          </a:extLst>
+        </p:spPr>
+        <p:txBody>
+          <a:bodyPr lIns="50800" tIns="50800" rIns="50800" bIns="50800" anchor="ctr">
+            <a:spAutoFit/>
+          </a:bodyPr>
+          <a:lstStyle>
+            <a:lvl1pPr>
+              <a:defRPr sz="1600"/>
+            </a:lvl1pPr>
+          </a:lstStyle>
+          <a:p>
+            <a:pPr/>
+            <a:r>
+              <a:t>https://www.mdpi.com/2072-4292/14/5/1159</a:t>
+            </a:r>
+          </a:p>
+        </p:txBody>
+      </p:sp>
       <p:pic>
         <p:nvPicPr>
-          <p:cNvPr id="246" name="Screenshot 2022-10-02 at 20.56.33.png" descr="Screenshot 2022-10-02 at 20.56.33.png"/>
+          <p:cNvPr id="249" name="Screenshot 2023-06-28 at 08.14.22.png" descr="Screenshot 2023-06-28 at 08.14.22.png"/>
           <p:cNvPicPr>
             <a:picLocks noChangeAspect="1"/>
           </p:cNvPicPr>
@@ -5320,8 +5440,8 @@
         </p:blipFill>
         <p:spPr>
           <a:xfrm>
-            <a:off x="357554" y="2980494"/>
-            <a:ext cx="3522404" cy="2187460"/>
+            <a:off x="6732604" y="1459573"/>
+            <a:ext cx="5563442" cy="2102421"/>
           </a:xfrm>
           <a:prstGeom prst="rect">
             <a:avLst/>
@@ -5331,49 +5451,9 @@
           </a:ln>
         </p:spPr>
       </p:pic>
-      <p:sp>
-        <p:nvSpPr>
-          <p:cNvPr id="247" name="https://agupubs.onlinelibrary.wiley.com/doi/epdf/10.1029/2018MS001472"/>
-          <p:cNvSpPr txBox="1"/>
-          <p:nvPr/>
-        </p:nvSpPr>
-        <p:spPr>
-          <a:xfrm>
-            <a:off x="3820760" y="3594202"/>
-            <a:ext cx="2620027" cy="960044"/>
-          </a:xfrm>
-          <a:prstGeom prst="rect">
-            <a:avLst/>
-          </a:prstGeom>
-          <a:ln w="12700">
-            <a:miter lim="400000"/>
-          </a:ln>
-          <a:extLst>
-            <a:ext uri="{C572A759-6A51-4108-AA02-DFA0A04FC94B}">
-              <ma14:wrappingTextBoxFlag xmlns:ma14="http://schemas.microsoft.com/office/mac/drawingml/2011/main" val="1"/>
-            </a:ext>
-          </a:extLst>
-        </p:spPr>
-        <p:txBody>
-          <a:bodyPr lIns="50800" tIns="50800" rIns="50800" bIns="50800" anchor="ctr">
-            <a:spAutoFit/>
-          </a:bodyPr>
-          <a:lstStyle>
-            <a:lvl1pPr>
-              <a:defRPr sz="1400"/>
-            </a:lvl1pPr>
-          </a:lstStyle>
-          <a:p>
-            <a:pPr/>
-            <a:r>
-              <a:t>https://agupubs.onlinelibrary.wiley.com/doi/epdf/10.1029/2018MS001472</a:t>
-            </a:r>
-          </a:p>
-        </p:txBody>
-      </p:sp>
       <p:pic>
         <p:nvPicPr>
-          <p:cNvPr id="248" name="fig4DVarNN_SLA.jpg" descr="fig4DVarNN_SLA.jpg"/>
+          <p:cNvPr id="250" name="Screenshot 2023-06-28 at 08.14.37.png" descr="Screenshot 2023-06-28 at 08.14.37.png"/>
           <p:cNvPicPr>
             <a:picLocks noChangeAspect="1"/>
           </p:cNvPicPr>
@@ -5389,8 +5469,8 @@
         </p:blipFill>
         <p:spPr>
           <a:xfrm>
-            <a:off x="6799045" y="3154122"/>
-            <a:ext cx="4014989" cy="1840204"/>
+            <a:off x="7899532" y="2487620"/>
+            <a:ext cx="4691999" cy="2333409"/>
           </a:xfrm>
           <a:prstGeom prst="rect">
             <a:avLst/>
@@ -5400,86 +5480,6 @@
           </a:ln>
         </p:spPr>
       </p:pic>
-      <p:sp>
-        <p:nvSpPr>
-          <p:cNvPr id="249" name="https://agupubs.onlinelibrary.wiley.com/doi/10.1029/2021MS002572"/>
-          <p:cNvSpPr txBox="1"/>
-          <p:nvPr/>
-        </p:nvSpPr>
-        <p:spPr>
-          <a:xfrm>
-            <a:off x="10083741" y="4204603"/>
-            <a:ext cx="2620027" cy="744144"/>
-          </a:xfrm>
-          <a:prstGeom prst="rect">
-            <a:avLst/>
-          </a:prstGeom>
-          <a:ln w="12700">
-            <a:miter lim="400000"/>
-          </a:ln>
-          <a:extLst>
-            <a:ext uri="{C572A759-6A51-4108-AA02-DFA0A04FC94B}">
-              <ma14:wrappingTextBoxFlag xmlns:ma14="http://schemas.microsoft.com/office/mac/drawingml/2011/main" val="1"/>
-            </a:ext>
-          </a:extLst>
-        </p:spPr>
-        <p:txBody>
-          <a:bodyPr lIns="50800" tIns="50800" rIns="50800" bIns="50800" anchor="ctr">
-            <a:spAutoFit/>
-          </a:bodyPr>
-          <a:lstStyle>
-            <a:lvl1pPr>
-              <a:defRPr sz="1400"/>
-            </a:lvl1pPr>
-          </a:lstStyle>
-          <a:p>
-            <a:pPr/>
-            <a:r>
-              <a:t>https://agupubs.onlinelibrary.wiley.com/doi/10.1029/2021MS002572</a:t>
-            </a:r>
-          </a:p>
-        </p:txBody>
-      </p:sp>
-      <p:sp>
-        <p:nvSpPr>
-          <p:cNvPr id="250" name="https://gmd.copernicus.org/articles/15/2183/2022/"/>
-          <p:cNvSpPr txBox="1"/>
-          <p:nvPr/>
-        </p:nvSpPr>
-        <p:spPr>
-          <a:xfrm>
-            <a:off x="7551226" y="9219309"/>
-            <a:ext cx="4264865" cy="312344"/>
-          </a:xfrm>
-          <a:prstGeom prst="rect">
-            <a:avLst/>
-          </a:prstGeom>
-          <a:ln w="12700">
-            <a:miter lim="400000"/>
-          </a:ln>
-          <a:extLst>
-            <a:ext uri="{C572A759-6A51-4108-AA02-DFA0A04FC94B}">
-              <ma14:wrappingTextBoxFlag xmlns:ma14="http://schemas.microsoft.com/office/mac/drawingml/2011/main" val="1"/>
-            </a:ext>
-          </a:extLst>
-        </p:spPr>
-        <p:txBody>
-          <a:bodyPr wrap="none" lIns="50800" tIns="50800" rIns="50800" bIns="50800" anchor="ctr">
-            <a:spAutoFit/>
-          </a:bodyPr>
-          <a:lstStyle>
-            <a:lvl1pPr>
-              <a:defRPr sz="1400"/>
-            </a:lvl1pPr>
-          </a:lstStyle>
-          <a:p>
-            <a:pPr/>
-            <a:r>
-              <a:t>https://gmd.copernicus.org/articles/15/2183/2022/</a:t>
-            </a:r>
-          </a:p>
-        </p:txBody>
-      </p:sp>
     </p:spTree>
   </p:cSld>
   <p:clrMapOvr>

--- a/lectures/course_DLMOA_session-3.pptx
+++ b/lectures/course_DLMOA_session-3.pptx
@@ -4482,24 +4482,18 @@
           <a:bodyPr/>
           <a:lstStyle/>
           <a:p>
-            <a:pPr defTabSz="473201">
-              <a:defRPr sz="6480"/>
-            </a:pPr>
+            <a:pPr/>
             <a:r>
               <a:t>Course #3: </a:t>
             </a:r>
           </a:p>
           <a:p>
-            <a:pPr defTabSz="473201">
-              <a:defRPr sz="6480"/>
-            </a:pPr>
-          </a:p>
-          <a:p>
-            <a:pPr defTabSz="473201">
-              <a:defRPr sz="6480"/>
-            </a:pPr>
-            <a:r>
-              <a:t>Auto-encoders and Recurrent Neural Networks</a:t>
+            <a:pPr/>
+          </a:p>
+          <a:p>
+            <a:pPr/>
+            <a:r>
+              <a:t>Auto-encoders</a:t>
             </a:r>
           </a:p>
         </p:txBody>
@@ -6117,7 +6111,7 @@
               </a:defRPr>
             </a:pPr>
             <a:r>
-              <a:t>Recurrents Neural Networks</a:t>
+              <a:t>PyTorch Lightning</a:t>
             </a:r>
           </a:p>
           <a:p>
